--- a/doc/poster.pptx
+++ b/doc/poster.pptx
@@ -13730,11 +13730,14 @@
               <a:buSzPct val="25000"/>
               <a:buNone/>
             </a:pPr>
-            <a:endParaRPr lang="en-US" sz="3600" dirty="0">
-              <a:solidFill>
-                <a:schemeClr val="dk1"/>
-              </a:solidFill>
-            </a:endParaRPr>
+            <a:r>
+              <a:rPr lang="en-US" sz="3600" dirty="0">
+                <a:solidFill>
+                  <a:schemeClr val="dk1"/>
+                </a:solidFill>
+              </a:rPr>
+              <a:t>The goal of this project was to investigate how deep learning compares to non-deep learning, and ultimately to compare how 4 separate Remote Sensing tools perform during 5 fold cross validation. The four techniques chosen for comparison are: Shallow Residual Network, Shallow Convolutional Network, Deep Convolutional Network, and a Deep Residual Network. Two datasets were used for experimentation, one being a 3 class problem and the other being the UC Merced Benchmark Dataset, which is comprised of 21 classes with 100 training examples each. </a:t>
+            </a:r>
           </a:p>
         </p:txBody>
       </p:sp>
@@ -13889,19 +13892,32 @@
                   <a:cs typeface="Times New Roman" panose="02020603050405020304"/>
                   <a:sym typeface="Times New Roman" panose="02020603050405020304"/>
                 </a:rPr>
-                <a:t>Convolutional Neural Networks with Minimal Layers For Remote Sensing Using Benchmark Datasets</a:t>
+                <a:t>Convolutional Neural Networks:</a:t>
               </a:r>
             </a:p>
             <a:p>
               <a:pPr marL="0" marR="0" lvl="0" indent="0" algn="ctr" rtl="0">
                 <a:spcBef>
-                  <a:spcPts val="2400"/>
+                  <a:spcPts val="0"/>
                 </a:spcBef>
                 <a:spcAft>
                   <a:spcPts val="0"/>
                 </a:spcAft>
+                <a:buSzPct val="25000"/>
                 <a:buNone/>
               </a:pPr>
+              <a:r>
+                <a:rPr lang="en-US" sz="7200" b="1" dirty="0">
+                  <a:solidFill>
+                    <a:schemeClr val="dk1"/>
+                  </a:solidFill>
+                  <a:latin typeface="Times New Roman" panose="02020603050405020304"/>
+                  <a:ea typeface="Times New Roman" panose="02020603050405020304"/>
+                  <a:cs typeface="Times New Roman" panose="02020603050405020304"/>
+                  <a:sym typeface="Times New Roman" panose="02020603050405020304"/>
+                </a:rPr>
+                <a:t>Do we need deep networks?</a:t>
+              </a:r>
               <a:endParaRPr sz="1000" b="1" dirty="0">
                 <a:solidFill>
                   <a:schemeClr val="dk1"/>

--- a/doc/poster.pptx
+++ b/doc/poster.pptx
@@ -13736,7 +13736,7 @@
                   <a:schemeClr val="dk1"/>
                 </a:solidFill>
               </a:rPr>
-              <a:t>The goal of this project was to investigate how deep learning compares to non-deep learning, and ultimately to compare how 4 separate Remote Sensing tools perform during 5 fold cross validation. The four techniques chosen for comparison are: Shallow Residual Network, Shallow Convolutional Network, Deep Convolutional Network, and a Deep Residual Network. Two datasets were used for experimentation, one being a 3 class problem and the other being the UC Merced Benchmark Dataset, which is comprised of 21 classes with 100 training examples each. </a:t>
+              <a:t>The goal of this project was to investigate how deep learning compares to non-deep learning, and ultimately to compare how 3 separate Remote Sensing tools perform during 5 fold cross validation. The three techniques chosen for comparison are: Shallow Convolutional Network, Deep Convolutional Network, and a Deep Residual Network. Two datasets were used for experimentation, one being a 3 class problem and the other being the UC Merced Benchmark Dataset, which is comprised of 21 classes with 100 training examples each. </a:t>
             </a:r>
           </a:p>
         </p:txBody>

--- a/doc/poster.pptx
+++ b/doc/poster.pptx
@@ -13892,8 +13892,29 @@
                   <a:cs typeface="Times New Roman" panose="02020603050405020304"/>
                   <a:sym typeface="Times New Roman" panose="02020603050405020304"/>
                 </a:rPr>
-                <a:t>Convolutional Neural Networks:</a:t>
+                <a:t>Convolutional Neural Networks in </a:t>
               </a:r>
+              <a:r>
+                <a:rPr lang="en-US" sz="7200" b="1">
+                  <a:solidFill>
+                    <a:schemeClr val="dk1"/>
+                  </a:solidFill>
+                  <a:latin typeface="Times New Roman" panose="02020603050405020304"/>
+                  <a:ea typeface="Times New Roman" panose="02020603050405020304"/>
+                  <a:cs typeface="Times New Roman" panose="02020603050405020304"/>
+                  <a:sym typeface="Times New Roman" panose="02020603050405020304"/>
+                </a:rPr>
+                <a:t>Remote Sensing:</a:t>
+              </a:r>
+              <a:endParaRPr lang="en-US" sz="7200" b="1" dirty="0">
+                <a:solidFill>
+                  <a:schemeClr val="dk1"/>
+                </a:solidFill>
+                <a:latin typeface="Times New Roman" panose="02020603050405020304"/>
+                <a:ea typeface="Times New Roman" panose="02020603050405020304"/>
+                <a:cs typeface="Times New Roman" panose="02020603050405020304"/>
+                <a:sym typeface="Times New Roman" panose="02020603050405020304"/>
+              </a:endParaRPr>
             </a:p>
             <a:p>
               <a:pPr marL="0" marR="0" lvl="0" indent="0" algn="ctr" rtl="0">
@@ -14211,7 +14232,18 @@
               <a:buSzPct val="125000"/>
               <a:buFont typeface="Wingdings" panose="05000000000000000000" charset="0"/>
             </a:pPr>
-            <a:endParaRPr lang="en-US" sz="4800" dirty="0"/>
+            <a:r>
+              <a:rPr lang="en-US" sz="4000" dirty="0"/>
+              <a:t>For each of the three chosen methods, the two chosen datasets were trained for 10, 20, 30, 40, and 50 epochs with the average accuracy over 5 fold cross validation being recorded after each experiment. The shallow CNN had 5 convolutional layers with 32 filters each. The kernel used will be 3x3 and the pooling window was 2x2. The Deep CNN used is the </a:t>
+            </a:r>
+            <a:r>
+              <a:rPr lang="en-US" sz="4000" dirty="0" err="1"/>
+              <a:t>Xception</a:t>
+            </a:r>
+            <a:r>
+              <a:rPr lang="en-US" sz="4000" dirty="0"/>
+              <a:t> network, which consists of []. Lastly, the DRNN used will the ResNet50, which has []. </a:t>
+            </a:r>
           </a:p>
         </p:txBody>
       </p:sp>

--- a/doc/poster.pptx
+++ b/doc/poster.pptx
@@ -13736,7 +13736,7 @@
                   <a:schemeClr val="dk1"/>
                 </a:solidFill>
               </a:rPr>
-              <a:t>The goal of this project was to investigate how deep learning compares to non-deep learning, and ultimately to compare how 3 separate Remote Sensing tools perform during 5 fold cross validation. The three techniques chosen for comparison are: Shallow Convolutional Network, Deep Convolutional Network, and a Deep Residual Network. Two datasets were used for experimentation, one being a 3 class problem and the other being the UC Merced Benchmark Dataset, which is comprised of 21 classes with 100 training examples each. </a:t>
+              <a:t>The goal of this project was to investigate how deep learning compares to non-deep learning, and ultimately to compare how 3 separate Remote Sensing tools perform during 5 fold cross validation. The three techniques chosen for comparison are: Shallow Convolutional Network, Deep Convolutional Network, and a Deep Residual Network. Two datasets were used for experimentation, one being a 3 class problem and the other being the UC Merced Benchmark Dataset [1], which is comprised of 21 classes with 100 training examples each. </a:t>
             </a:r>
           </a:p>
         </p:txBody>
@@ -13892,29 +13892,8 @@
                   <a:cs typeface="Times New Roman" panose="02020603050405020304"/>
                   <a:sym typeface="Times New Roman" panose="02020603050405020304"/>
                 </a:rPr>
-                <a:t>Convolutional Neural Networks in </a:t>
+                <a:t>Convolutional Neural Networks in Remote Sensing:</a:t>
               </a:r>
-              <a:r>
-                <a:rPr lang="en-US" sz="7200" b="1">
-                  <a:solidFill>
-                    <a:schemeClr val="dk1"/>
-                  </a:solidFill>
-                  <a:latin typeface="Times New Roman" panose="02020603050405020304"/>
-                  <a:ea typeface="Times New Roman" panose="02020603050405020304"/>
-                  <a:cs typeface="Times New Roman" panose="02020603050405020304"/>
-                  <a:sym typeface="Times New Roman" panose="02020603050405020304"/>
-                </a:rPr>
-                <a:t>Remote Sensing:</a:t>
-              </a:r>
-              <a:endParaRPr lang="en-US" sz="7200" b="1" dirty="0">
-                <a:solidFill>
-                  <a:schemeClr val="dk1"/>
-                </a:solidFill>
-                <a:latin typeface="Times New Roman" panose="02020603050405020304"/>
-                <a:ea typeface="Times New Roman" panose="02020603050405020304"/>
-                <a:cs typeface="Times New Roman" panose="02020603050405020304"/>
-                <a:sym typeface="Times New Roman" panose="02020603050405020304"/>
-              </a:endParaRPr>
             </a:p>
             <a:p>
               <a:pPr marL="0" marR="0" lvl="0" indent="0" algn="ctr" rtl="0">
@@ -14222,7 +14201,7 @@
           </a:bodyPr>
           <a:lstStyle/>
           <a:p>
-            <a:pPr marL="0" lvl="5" indent="0" algn="just">
+            <a:pPr marL="571500" lvl="5" indent="-571500" algn="just">
               <a:spcBef>
                 <a:spcPts val="600"/>
               </a:spcBef>
@@ -14230,11 +14209,46 @@
                 <a:srgbClr val="BE7100"/>
               </a:buClr>
               <a:buSzPct val="125000"/>
-              <a:buFont typeface="Wingdings" panose="05000000000000000000" charset="0"/>
+              <a:buFont typeface="Arial" panose="020B0604020202020204" pitchFamily="34" charset="0"/>
+              <a:buChar char="•"/>
             </a:pPr>
             <a:r>
               <a:rPr lang="en-US" sz="4000" dirty="0"/>
-              <a:t>For each of the three chosen methods, the two chosen datasets were trained for 10, 20, 30, 40, and 50 epochs with the average accuracy over 5 fold cross validation being recorded after each experiment. The shallow CNN had 5 convolutional layers with 32 filters each. The kernel used will be 3x3 and the pooling window was 2x2. The Deep CNN used is the </a:t>
+              <a:t>Train each method on both datasets for 10, 20, 30, 40, and 50 epochs</a:t>
+            </a:r>
+          </a:p>
+          <a:p>
+            <a:pPr marL="571500" lvl="5" indent="-571500" algn="just">
+              <a:spcBef>
+                <a:spcPts val="600"/>
+              </a:spcBef>
+              <a:buClr>
+                <a:srgbClr val="BE7100"/>
+              </a:buClr>
+              <a:buSzPct val="125000"/>
+              <a:buFont typeface="Arial" panose="020B0604020202020204" pitchFamily="34" charset="0"/>
+              <a:buChar char="•"/>
+            </a:pPr>
+            <a:r>
+              <a:rPr lang="en-US" sz="4000" dirty="0"/>
+              <a:t>Shallow CNN: 5 Conv. Layers, 32 filters, 3x3 Kernel, 2x2 Pooling Window</a:t>
+            </a:r>
+          </a:p>
+          <a:p>
+            <a:pPr marL="571500" lvl="5" indent="-571500" algn="just">
+              <a:spcBef>
+                <a:spcPts val="600"/>
+              </a:spcBef>
+              <a:buClr>
+                <a:srgbClr val="BE7100"/>
+              </a:buClr>
+              <a:buSzPct val="125000"/>
+              <a:buFont typeface="Arial" panose="020B0604020202020204" pitchFamily="34" charset="0"/>
+              <a:buChar char="•"/>
+            </a:pPr>
+            <a:r>
+              <a:rPr lang="en-US" sz="4000" dirty="0"/>
+              <a:t>DCNN: </a:t>
             </a:r>
             <a:r>
               <a:rPr lang="en-US" sz="4000" dirty="0" err="1"/>
@@ -14242,8 +14256,37 @@
             </a:r>
             <a:r>
               <a:rPr lang="en-US" sz="4000" dirty="0"/>
-              <a:t> network, which consists of []. Lastly, the DRNN used will the ResNet50, which has []. </a:t>
+              <a:t> [2]</a:t>
             </a:r>
+          </a:p>
+          <a:p>
+            <a:pPr marL="571500" lvl="5" indent="-571500" algn="just">
+              <a:spcBef>
+                <a:spcPts val="600"/>
+              </a:spcBef>
+              <a:buClr>
+                <a:srgbClr val="BE7100"/>
+              </a:buClr>
+              <a:buSzPct val="125000"/>
+              <a:buFont typeface="Arial" panose="020B0604020202020204" pitchFamily="34" charset="0"/>
+              <a:buChar char="•"/>
+            </a:pPr>
+            <a:r>
+              <a:rPr lang="en-US" sz="4000" dirty="0"/>
+              <a:t>DRNN: ResNet50 [3]</a:t>
+            </a:r>
+          </a:p>
+          <a:p>
+            <a:pPr lvl="5" algn="just">
+              <a:spcBef>
+                <a:spcPts val="600"/>
+              </a:spcBef>
+              <a:buClr>
+                <a:srgbClr val="BE7100"/>
+              </a:buClr>
+              <a:buSzPct val="125000"/>
+            </a:pPr>
+            <a:endParaRPr lang="en-US" sz="4000" dirty="0"/>
           </a:p>
         </p:txBody>
       </p:sp>
@@ -14414,7 +14457,7 @@
         <p:spPr bwMode="auto">
           <a:xfrm>
             <a:off x="25846405" y="30869890"/>
-            <a:ext cx="6654800" cy="12372618"/>
+            <a:ext cx="6654800" cy="12280285"/>
           </a:xfrm>
           <a:prstGeom prst="rect">
             <a:avLst/>
@@ -14439,231 +14482,115 @@
           <a:lstStyle/>
           <a:p>
             <a:pPr lvl="0"/>
-            <a:endParaRPr lang="en-US" dirty="0"/>
+            <a:endParaRPr lang="en-US" sz="3600" dirty="0"/>
+          </a:p>
+          <a:p>
+            <a:r>
+              <a:rPr lang="en-US" sz="3600" dirty="0"/>
+              <a:t>[1] Y. Yang and S. </a:t>
+            </a:r>
+            <a:r>
+              <a:rPr lang="en-US" sz="3600" dirty="0" err="1"/>
+              <a:t>Newsam</a:t>
+            </a:r>
+            <a:r>
+              <a:rPr lang="en-US" sz="3600" dirty="0"/>
+              <a:t>, “Bag-of-visual-words and spatial extensions for land-use classification,” 2010, p. 270.</a:t>
+            </a:r>
+          </a:p>
+          <a:p>
+            <a:endParaRPr lang="en-US" sz="3600" dirty="0"/>
+          </a:p>
+          <a:p>
+            <a:r>
+              <a:rPr lang="en-US" sz="3600" dirty="0"/>
+              <a:t>[2] F. </a:t>
+            </a:r>
+            <a:r>
+              <a:rPr lang="en-US" sz="3600" dirty="0" err="1"/>
+              <a:t>Chollet</a:t>
+            </a:r>
+            <a:r>
+              <a:rPr lang="en-US" sz="3600" dirty="0"/>
+              <a:t>, “</a:t>
+            </a:r>
+            <a:r>
+              <a:rPr lang="en-US" sz="3600" dirty="0" err="1"/>
+              <a:t>Xception</a:t>
+            </a:r>
+            <a:r>
+              <a:rPr lang="en-US" sz="3600" dirty="0"/>
+              <a:t>: Deep Learning with </a:t>
+            </a:r>
+            <a:r>
+              <a:rPr lang="en-US" sz="3600" dirty="0" err="1"/>
+              <a:t>Depthwise</a:t>
+            </a:r>
+            <a:r>
+              <a:rPr lang="en-US" sz="3600" dirty="0"/>
+              <a:t> Separable Convolutions,” </a:t>
+            </a:r>
+            <a:r>
+              <a:rPr lang="en-US" sz="3600" i="1" dirty="0"/>
+              <a:t>arXiv:1610.02357 [</a:t>
+            </a:r>
+            <a:r>
+              <a:rPr lang="en-US" sz="3600" i="1" dirty="0" err="1"/>
+              <a:t>cs</a:t>
+            </a:r>
+            <a:r>
+              <a:rPr lang="en-US" sz="3600" i="1" dirty="0"/>
+              <a:t>]</a:t>
+            </a:r>
+            <a:r>
+              <a:rPr lang="en-US" sz="3600" dirty="0"/>
+              <a:t>, Oct. 2016.</a:t>
+            </a:r>
+          </a:p>
+          <a:p>
+            <a:endParaRPr lang="en-US" sz="3600" dirty="0"/>
+          </a:p>
+          <a:p>
+            <a:r>
+              <a:rPr lang="en-US" sz="3600" dirty="0"/>
+              <a:t>[3] K. He, X. Zhang, S. Ren, and J. Sun, “Deep Residual Learning for Image Recognition,” </a:t>
+            </a:r>
+            <a:r>
+              <a:rPr lang="en-US" sz="3600" i="1" dirty="0"/>
+              <a:t>arXiv:1512.03385 [</a:t>
+            </a:r>
+            <a:r>
+              <a:rPr lang="en-US" sz="3600" i="1" dirty="0" err="1"/>
+              <a:t>cs</a:t>
+            </a:r>
+            <a:r>
+              <a:rPr lang="en-US" sz="3600" i="1" dirty="0"/>
+              <a:t>]</a:t>
+            </a:r>
+            <a:r>
+              <a:rPr lang="en-US" sz="3600" dirty="0"/>
+              <a:t>, Dec. 2015.</a:t>
+            </a:r>
           </a:p>
           <a:p>
             <a:pPr lvl="0"/>
-            <a:endParaRPr lang="en-US" dirty="0"/>
+            <a:endParaRPr lang="en-US" sz="3600" dirty="0"/>
           </a:p>
           <a:p>
             <a:pPr lvl="0"/>
-            <a:endParaRPr lang="en-US" dirty="0"/>
+            <a:endParaRPr lang="en-US" sz="3600" dirty="0"/>
           </a:p>
           <a:p>
             <a:pPr lvl="0"/>
-            <a:endParaRPr lang="en-US" dirty="0"/>
+            <a:endParaRPr lang="en-US" sz="3600" dirty="0"/>
           </a:p>
           <a:p>
             <a:pPr lvl="0"/>
-            <a:endParaRPr lang="en-US" dirty="0"/>
+            <a:endParaRPr lang="en-US" sz="3600" dirty="0"/>
           </a:p>
           <a:p>
             <a:pPr lvl="0"/>
-            <a:endParaRPr lang="en-US" dirty="0"/>
-          </a:p>
-          <a:p>
-            <a:pPr lvl="0"/>
-            <a:endParaRPr lang="en-US" dirty="0"/>
-          </a:p>
-          <a:p>
-            <a:pPr lvl="0"/>
-            <a:endParaRPr lang="en-US" dirty="0"/>
-          </a:p>
-          <a:p>
-            <a:pPr lvl="0"/>
-            <a:endParaRPr lang="en-US" dirty="0"/>
-          </a:p>
-          <a:p>
-            <a:pPr lvl="0"/>
-            <a:endParaRPr lang="en-US" dirty="0"/>
-          </a:p>
-          <a:p>
-            <a:pPr lvl="0"/>
-            <a:endParaRPr lang="en-US" dirty="0"/>
-          </a:p>
-          <a:p>
-            <a:pPr lvl="0"/>
-            <a:endParaRPr lang="en-US" dirty="0"/>
-          </a:p>
-          <a:p>
-            <a:pPr lvl="0"/>
-            <a:endParaRPr lang="en-US" dirty="0"/>
-          </a:p>
-          <a:p>
-            <a:pPr lvl="0"/>
-            <a:endParaRPr lang="en-US" dirty="0"/>
-          </a:p>
-          <a:p>
-            <a:pPr lvl="0"/>
-            <a:endParaRPr lang="en-US" dirty="0"/>
-          </a:p>
-          <a:p>
-            <a:pPr lvl="0"/>
-            <a:endParaRPr lang="en-US" dirty="0"/>
-          </a:p>
-          <a:p>
-            <a:pPr lvl="0"/>
-            <a:endParaRPr lang="en-US" dirty="0"/>
-          </a:p>
-          <a:p>
-            <a:pPr lvl="0"/>
-            <a:endParaRPr lang="en-US" dirty="0"/>
-          </a:p>
-          <a:p>
-            <a:pPr lvl="0"/>
-            <a:endParaRPr lang="en-US" dirty="0"/>
-          </a:p>
-          <a:p>
-            <a:pPr lvl="0"/>
-            <a:endParaRPr lang="en-US" dirty="0"/>
-          </a:p>
-          <a:p>
-            <a:pPr lvl="0"/>
-            <a:endParaRPr lang="en-US" dirty="0"/>
-          </a:p>
-          <a:p>
-            <a:pPr lvl="0"/>
-            <a:endParaRPr lang="en-US" dirty="0"/>
-          </a:p>
-          <a:p>
-            <a:pPr lvl="0"/>
-            <a:endParaRPr lang="en-US" dirty="0"/>
-          </a:p>
-          <a:p>
-            <a:pPr lvl="0"/>
-            <a:endParaRPr lang="en-US" dirty="0"/>
-          </a:p>
-          <a:p>
-            <a:pPr lvl="0"/>
-            <a:endParaRPr lang="en-US" dirty="0"/>
-          </a:p>
-          <a:p>
-            <a:pPr lvl="0"/>
-            <a:endParaRPr lang="en-US" dirty="0"/>
-          </a:p>
-          <a:p>
-            <a:pPr lvl="0"/>
-            <a:endParaRPr lang="en-US" dirty="0"/>
-          </a:p>
-          <a:p>
-            <a:pPr lvl="0"/>
-            <a:endParaRPr lang="en-US" dirty="0"/>
-          </a:p>
-          <a:p>
-            <a:pPr lvl="0"/>
-            <a:endParaRPr lang="en-US" dirty="0"/>
-          </a:p>
-          <a:p>
-            <a:pPr lvl="0"/>
-            <a:endParaRPr lang="en-US" dirty="0"/>
-          </a:p>
-          <a:p>
-            <a:pPr lvl="0"/>
-            <a:endParaRPr lang="en-US" dirty="0"/>
-          </a:p>
-          <a:p>
-            <a:pPr lvl="0"/>
-            <a:endParaRPr lang="en-US" dirty="0"/>
-          </a:p>
-          <a:p>
-            <a:pPr lvl="0"/>
-            <a:endParaRPr lang="en-US" dirty="0"/>
-          </a:p>
-          <a:p>
-            <a:pPr lvl="0"/>
-            <a:endParaRPr lang="en-US" dirty="0"/>
-          </a:p>
-          <a:p>
-            <a:pPr lvl="0"/>
-            <a:endParaRPr lang="en-US" dirty="0"/>
-          </a:p>
-          <a:p>
-            <a:pPr lvl="0"/>
-            <a:endParaRPr lang="en-US" dirty="0"/>
-          </a:p>
-          <a:p>
-            <a:pPr lvl="0"/>
-            <a:endParaRPr lang="en-US" dirty="0"/>
-          </a:p>
-          <a:p>
-            <a:pPr lvl="0"/>
-            <a:endParaRPr lang="en-US" dirty="0"/>
-          </a:p>
-          <a:p>
-            <a:pPr lvl="0"/>
-            <a:endParaRPr lang="en-US" dirty="0"/>
-          </a:p>
-          <a:p>
-            <a:pPr lvl="0"/>
-            <a:endParaRPr lang="en-US" dirty="0"/>
-          </a:p>
-          <a:p>
-            <a:pPr lvl="0"/>
-            <a:endParaRPr lang="en-US" dirty="0"/>
-          </a:p>
-          <a:p>
-            <a:pPr lvl="0"/>
-            <a:endParaRPr lang="en-US" dirty="0"/>
-          </a:p>
-          <a:p>
-            <a:pPr lvl="0"/>
-            <a:endParaRPr lang="en-US" dirty="0"/>
-          </a:p>
-          <a:p>
-            <a:pPr lvl="0"/>
-            <a:endParaRPr lang="en-US" dirty="0"/>
-          </a:p>
-          <a:p>
-            <a:pPr lvl="0"/>
-            <a:endParaRPr lang="en-US" dirty="0"/>
-          </a:p>
-          <a:p>
-            <a:pPr lvl="0"/>
-            <a:endParaRPr lang="en-US" dirty="0"/>
-          </a:p>
-          <a:p>
-            <a:pPr lvl="0"/>
-            <a:endParaRPr lang="en-US" dirty="0"/>
-          </a:p>
-          <a:p>
-            <a:pPr lvl="0"/>
-            <a:endParaRPr lang="en-US" dirty="0"/>
-          </a:p>
-          <a:p>
-            <a:pPr lvl="0"/>
-            <a:endParaRPr lang="en-US" dirty="0"/>
-          </a:p>
-          <a:p>
-            <a:pPr lvl="0"/>
-            <a:endParaRPr lang="en-US" dirty="0"/>
-          </a:p>
-          <a:p>
-            <a:pPr lvl="0"/>
-            <a:endParaRPr lang="en-US" dirty="0"/>
-          </a:p>
-          <a:p>
-            <a:pPr lvl="0"/>
-            <a:endParaRPr lang="en-US" dirty="0"/>
-          </a:p>
-          <a:p>
-            <a:pPr lvl="0"/>
-            <a:endParaRPr lang="en-US" dirty="0"/>
-          </a:p>
-          <a:p>
-            <a:pPr lvl="0"/>
-            <a:endParaRPr lang="en-US" dirty="0"/>
-          </a:p>
-          <a:p>
-            <a:pPr lvl="0"/>
-            <a:endParaRPr lang="en-US" dirty="0"/>
-          </a:p>
-          <a:p>
-            <a:pPr lvl="0"/>
-            <a:endParaRPr lang="en-US" dirty="0"/>
-          </a:p>
-          <a:p>
-            <a:pPr lvl="0"/>
-            <a:endParaRPr lang="en-US" dirty="0"/>
+            <a:endParaRPr lang="en-US" sz="3600" dirty="0"/>
           </a:p>
         </p:txBody>
       </p:sp>
